--- a/Преза.pptx
+++ b/Преза.pptx
@@ -6,6 +6,10 @@
   </p:sldMasterIdLst>
   <p:sldIdLst>
     <p:sldId id="256" r:id="rId2"/>
+    <p:sldId id="257" r:id="rId3"/>
+    <p:sldId id="258" r:id="rId4"/>
+    <p:sldId id="259" r:id="rId5"/>
+    <p:sldId id="260" r:id="rId6"/>
   </p:sldIdLst>
   <p:sldSz cx="12192000" cy="6858000"/>
   <p:notesSz cx="6858000" cy="9144000"/>
@@ -3340,17 +3344,21 @@
         <p:spPr/>
         <p:txBody>
           <a:bodyPr>
-            <a:normAutofit fontScale="90000"/>
+            <a:normAutofit/>
           </a:bodyPr>
           <a:lstStyle/>
           <a:p>
             <a:r>
-              <a:rPr lang="ru-RU" dirty="0"/>
+              <a:rPr lang="ru-RU" sz="2400" dirty="0"/>
               <a:t>Разработка прикладного приложения с помощью </a:t>
             </a:r>
             <a:r>
+              <a:rPr lang="en-US" sz="2400" dirty="0"/>
+              <a:t>Windows API</a:t>
+            </a:r>
+            <a:r>
               <a:rPr lang="en-US" dirty="0"/>
-              <a:t>Windows API.</a:t>
+              <a:t>.</a:t>
             </a:r>
             <a:endParaRPr lang="ru-RU" dirty="0"/>
           </a:p>
@@ -3374,11 +3382,13 @@
         </p:nvSpPr>
         <p:spPr/>
         <p:txBody>
-          <a:bodyPr/>
-          <a:lstStyle/>
-          <a:p>
-            <a:r>
-              <a:rPr lang="ru-RU" dirty="0"/>
+          <a:bodyPr>
+            <a:normAutofit/>
+          </a:bodyPr>
+          <a:lstStyle/>
+          <a:p>
+            <a:r>
+              <a:rPr lang="ru-RU" sz="1800" dirty="0"/>
               <a:t>Автор: Бабич Ростислав Олегович 11-Б</a:t>
             </a:r>
           </a:p>
@@ -3388,6 +3398,351 @@
     <p:extLst>
       <p:ext uri="{BB962C8B-B14F-4D97-AF65-F5344CB8AC3E}">
         <p14:creationId xmlns:p14="http://schemas.microsoft.com/office/powerpoint/2010/main" val="2856858252"/>
+      </p:ext>
+    </p:extLst>
+  </p:cSld>
+  <p:clrMapOvr>
+    <a:masterClrMapping/>
+  </p:clrMapOvr>
+</p:sld>
+</file>
+
+<file path=ppt/slides/slide2.xml><?xml version="1.0" encoding="utf-8"?>
+<p:sld xmlns:a="http://schemas.openxmlformats.org/drawingml/2006/main" xmlns:r="http://schemas.openxmlformats.org/officeDocument/2006/relationships" xmlns:p="http://schemas.openxmlformats.org/presentationml/2006/main">
+  <p:cSld>
+    <p:spTree>
+      <p:nvGrpSpPr>
+        <p:cNvPr id="1" name=""/>
+        <p:cNvGrpSpPr/>
+        <p:nvPr/>
+      </p:nvGrpSpPr>
+      <p:grpSpPr>
+        <a:xfrm>
+          <a:off x="0" y="0"/>
+          <a:ext cx="0" cy="0"/>
+          <a:chOff x="0" y="0"/>
+          <a:chExt cx="0" cy="0"/>
+        </a:xfrm>
+      </p:grpSpPr>
+      <p:sp>
+        <p:nvSpPr>
+          <p:cNvPr id="2" name="Заголовок 1">
+            <a:extLst>
+              <a:ext uri="{FF2B5EF4-FFF2-40B4-BE49-F238E27FC236}">
+                <a16:creationId xmlns:a16="http://schemas.microsoft.com/office/drawing/2014/main" id="{13BB3FB9-CC4D-F3C5-9256-D0040D814834}"/>
+              </a:ext>
+            </a:extLst>
+          </p:cNvPr>
+          <p:cNvSpPr>
+            <a:spLocks noGrp="1"/>
+          </p:cNvSpPr>
+          <p:nvPr>
+            <p:ph type="title"/>
+          </p:nvPr>
+        </p:nvSpPr>
+        <p:spPr/>
+        <p:txBody>
+          <a:bodyPr>
+            <a:normAutofit/>
+          </a:bodyPr>
+          <a:lstStyle/>
+          <a:p>
+            <a:r>
+              <a:rPr lang="ru-RU" sz="2400" dirty="0"/>
+              <a:t>Проблема</a:t>
+            </a:r>
+          </a:p>
+        </p:txBody>
+      </p:sp>
+      <p:sp>
+        <p:nvSpPr>
+          <p:cNvPr id="3" name="Объект 2">
+            <a:extLst>
+              <a:ext uri="{FF2B5EF4-FFF2-40B4-BE49-F238E27FC236}">
+                <a16:creationId xmlns:a16="http://schemas.microsoft.com/office/drawing/2014/main" id="{6A624D47-98FE-5795-6604-06DCBF1D0ACD}"/>
+              </a:ext>
+            </a:extLst>
+          </p:cNvPr>
+          <p:cNvSpPr>
+            <a:spLocks noGrp="1"/>
+          </p:cNvSpPr>
+          <p:nvPr>
+            <p:ph idx="1"/>
+          </p:nvPr>
+        </p:nvSpPr>
+        <p:spPr/>
+        <p:txBody>
+          <a:bodyPr/>
+          <a:lstStyle/>
+          <a:p>
+            <a:endParaRPr lang="ru-RU" dirty="0"/>
+          </a:p>
+        </p:txBody>
+      </p:sp>
+    </p:spTree>
+    <p:extLst>
+      <p:ext uri="{BB962C8B-B14F-4D97-AF65-F5344CB8AC3E}">
+        <p14:creationId xmlns:p14="http://schemas.microsoft.com/office/powerpoint/2010/main" val="1909502162"/>
+      </p:ext>
+    </p:extLst>
+  </p:cSld>
+  <p:clrMapOvr>
+    <a:masterClrMapping/>
+  </p:clrMapOvr>
+</p:sld>
+</file>
+
+<file path=ppt/slides/slide3.xml><?xml version="1.0" encoding="utf-8"?>
+<p:sld xmlns:a="http://schemas.openxmlformats.org/drawingml/2006/main" xmlns:r="http://schemas.openxmlformats.org/officeDocument/2006/relationships" xmlns:p="http://schemas.openxmlformats.org/presentationml/2006/main">
+  <p:cSld>
+    <p:spTree>
+      <p:nvGrpSpPr>
+        <p:cNvPr id="1" name=""/>
+        <p:cNvGrpSpPr/>
+        <p:nvPr/>
+      </p:nvGrpSpPr>
+      <p:grpSpPr>
+        <a:xfrm>
+          <a:off x="0" y="0"/>
+          <a:ext cx="0" cy="0"/>
+          <a:chOff x="0" y="0"/>
+          <a:chExt cx="0" cy="0"/>
+        </a:xfrm>
+      </p:grpSpPr>
+      <p:sp>
+        <p:nvSpPr>
+          <p:cNvPr id="2" name="Заголовок 1">
+            <a:extLst>
+              <a:ext uri="{FF2B5EF4-FFF2-40B4-BE49-F238E27FC236}">
+                <a16:creationId xmlns:a16="http://schemas.microsoft.com/office/drawing/2014/main" id="{A40C5D26-E29C-CED0-E62B-4E4EB2819DF7}"/>
+              </a:ext>
+            </a:extLst>
+          </p:cNvPr>
+          <p:cNvSpPr>
+            <a:spLocks noGrp="1"/>
+          </p:cNvSpPr>
+          <p:nvPr>
+            <p:ph type="title"/>
+          </p:nvPr>
+        </p:nvSpPr>
+        <p:spPr/>
+        <p:txBody>
+          <a:bodyPr>
+            <a:normAutofit/>
+          </a:bodyPr>
+          <a:lstStyle/>
+          <a:p>
+            <a:r>
+              <a:rPr lang="ru-RU" sz="2400" dirty="0"/>
+              <a:t>Цель</a:t>
+            </a:r>
+          </a:p>
+        </p:txBody>
+      </p:sp>
+      <p:sp>
+        <p:nvSpPr>
+          <p:cNvPr id="3" name="Объект 2">
+            <a:extLst>
+              <a:ext uri="{FF2B5EF4-FFF2-40B4-BE49-F238E27FC236}">
+                <a16:creationId xmlns:a16="http://schemas.microsoft.com/office/drawing/2014/main" id="{D66027AB-BA42-567F-BBA9-9B0D0F3BC4B1}"/>
+              </a:ext>
+            </a:extLst>
+          </p:cNvPr>
+          <p:cNvSpPr>
+            <a:spLocks noGrp="1"/>
+          </p:cNvSpPr>
+          <p:nvPr>
+            <p:ph idx="1"/>
+          </p:nvPr>
+        </p:nvSpPr>
+        <p:spPr/>
+        <p:txBody>
+          <a:bodyPr/>
+          <a:lstStyle/>
+          <a:p>
+            <a:endParaRPr lang="ru-RU" dirty="0"/>
+          </a:p>
+        </p:txBody>
+      </p:sp>
+    </p:spTree>
+    <p:extLst>
+      <p:ext uri="{BB962C8B-B14F-4D97-AF65-F5344CB8AC3E}">
+        <p14:creationId xmlns:p14="http://schemas.microsoft.com/office/powerpoint/2010/main" val="3043014371"/>
+      </p:ext>
+    </p:extLst>
+  </p:cSld>
+  <p:clrMapOvr>
+    <a:masterClrMapping/>
+  </p:clrMapOvr>
+</p:sld>
+</file>
+
+<file path=ppt/slides/slide4.xml><?xml version="1.0" encoding="utf-8"?>
+<p:sld xmlns:a="http://schemas.openxmlformats.org/drawingml/2006/main" xmlns:r="http://schemas.openxmlformats.org/officeDocument/2006/relationships" xmlns:p="http://schemas.openxmlformats.org/presentationml/2006/main">
+  <p:cSld>
+    <p:spTree>
+      <p:nvGrpSpPr>
+        <p:cNvPr id="1" name=""/>
+        <p:cNvGrpSpPr/>
+        <p:nvPr/>
+      </p:nvGrpSpPr>
+      <p:grpSpPr>
+        <a:xfrm>
+          <a:off x="0" y="0"/>
+          <a:ext cx="0" cy="0"/>
+          <a:chOff x="0" y="0"/>
+          <a:chExt cx="0" cy="0"/>
+        </a:xfrm>
+      </p:grpSpPr>
+      <p:sp>
+        <p:nvSpPr>
+          <p:cNvPr id="2" name="Заголовок 1">
+            <a:extLst>
+              <a:ext uri="{FF2B5EF4-FFF2-40B4-BE49-F238E27FC236}">
+                <a16:creationId xmlns:a16="http://schemas.microsoft.com/office/drawing/2014/main" id="{15877E0B-797A-9F8F-5A7A-F9FCCDF10E75}"/>
+              </a:ext>
+            </a:extLst>
+          </p:cNvPr>
+          <p:cNvSpPr>
+            <a:spLocks noGrp="1"/>
+          </p:cNvSpPr>
+          <p:nvPr>
+            <p:ph type="title"/>
+          </p:nvPr>
+        </p:nvSpPr>
+        <p:spPr/>
+        <p:txBody>
+          <a:bodyPr>
+            <a:normAutofit/>
+          </a:bodyPr>
+          <a:lstStyle/>
+          <a:p>
+            <a:r>
+              <a:rPr lang="ru-RU" sz="2400" dirty="0"/>
+              <a:t>Метод решения – создание подходящего приложения на языке </a:t>
+            </a:r>
+            <a:r>
+              <a:rPr lang="en-US" sz="2400"/>
+              <a:t>C++.</a:t>
+            </a:r>
+            <a:endParaRPr lang="ru-RU" sz="2400" dirty="0"/>
+          </a:p>
+        </p:txBody>
+      </p:sp>
+      <p:sp>
+        <p:nvSpPr>
+          <p:cNvPr id="3" name="Объект 2">
+            <a:extLst>
+              <a:ext uri="{FF2B5EF4-FFF2-40B4-BE49-F238E27FC236}">
+                <a16:creationId xmlns:a16="http://schemas.microsoft.com/office/drawing/2014/main" id="{B2871B7E-F841-3706-7D36-B6EE29233409}"/>
+              </a:ext>
+            </a:extLst>
+          </p:cNvPr>
+          <p:cNvSpPr>
+            <a:spLocks noGrp="1"/>
+          </p:cNvSpPr>
+          <p:nvPr>
+            <p:ph idx="1"/>
+          </p:nvPr>
+        </p:nvSpPr>
+        <p:spPr/>
+        <p:txBody>
+          <a:bodyPr/>
+          <a:lstStyle/>
+          <a:p>
+            <a:endParaRPr lang="ru-RU"/>
+          </a:p>
+        </p:txBody>
+      </p:sp>
+    </p:spTree>
+    <p:extLst>
+      <p:ext uri="{BB962C8B-B14F-4D97-AF65-F5344CB8AC3E}">
+        <p14:creationId xmlns:p14="http://schemas.microsoft.com/office/powerpoint/2010/main" val="3137107854"/>
+      </p:ext>
+    </p:extLst>
+  </p:cSld>
+  <p:clrMapOvr>
+    <a:masterClrMapping/>
+  </p:clrMapOvr>
+</p:sld>
+</file>
+
+<file path=ppt/slides/slide5.xml><?xml version="1.0" encoding="utf-8"?>
+<p:sld xmlns:a="http://schemas.openxmlformats.org/drawingml/2006/main" xmlns:r="http://schemas.openxmlformats.org/officeDocument/2006/relationships" xmlns:p="http://schemas.openxmlformats.org/presentationml/2006/main">
+  <p:cSld>
+    <p:spTree>
+      <p:nvGrpSpPr>
+        <p:cNvPr id="1" name=""/>
+        <p:cNvGrpSpPr/>
+        <p:nvPr/>
+      </p:nvGrpSpPr>
+      <p:grpSpPr>
+        <a:xfrm>
+          <a:off x="0" y="0"/>
+          <a:ext cx="0" cy="0"/>
+          <a:chOff x="0" y="0"/>
+          <a:chExt cx="0" cy="0"/>
+        </a:xfrm>
+      </p:grpSpPr>
+      <p:sp>
+        <p:nvSpPr>
+          <p:cNvPr id="2" name="Заголовок 1">
+            <a:extLst>
+              <a:ext uri="{FF2B5EF4-FFF2-40B4-BE49-F238E27FC236}">
+                <a16:creationId xmlns:a16="http://schemas.microsoft.com/office/drawing/2014/main" id="{820AAEFD-D284-588D-FE6B-2B317677402F}"/>
+              </a:ext>
+            </a:extLst>
+          </p:cNvPr>
+          <p:cNvSpPr>
+            <a:spLocks noGrp="1"/>
+          </p:cNvSpPr>
+          <p:nvPr>
+            <p:ph type="title"/>
+          </p:nvPr>
+        </p:nvSpPr>
+        <p:spPr/>
+        <p:txBody>
+          <a:bodyPr>
+            <a:normAutofit/>
+          </a:bodyPr>
+          <a:lstStyle/>
+          <a:p>
+            <a:r>
+              <a:rPr lang="ru-RU" sz="2400" dirty="0"/>
+              <a:t>Что имеется на данный момент.</a:t>
+            </a:r>
+          </a:p>
+        </p:txBody>
+      </p:sp>
+      <p:sp>
+        <p:nvSpPr>
+          <p:cNvPr id="3" name="Объект 2">
+            <a:extLst>
+              <a:ext uri="{FF2B5EF4-FFF2-40B4-BE49-F238E27FC236}">
+                <a16:creationId xmlns:a16="http://schemas.microsoft.com/office/drawing/2014/main" id="{571976B3-DA4E-2401-DC9D-F5232BF57777}"/>
+              </a:ext>
+            </a:extLst>
+          </p:cNvPr>
+          <p:cNvSpPr>
+            <a:spLocks noGrp="1"/>
+          </p:cNvSpPr>
+          <p:nvPr>
+            <p:ph idx="1"/>
+          </p:nvPr>
+        </p:nvSpPr>
+        <p:spPr/>
+        <p:txBody>
+          <a:bodyPr/>
+          <a:lstStyle/>
+          <a:p>
+            <a:endParaRPr lang="ru-RU" dirty="0"/>
+          </a:p>
+        </p:txBody>
+      </p:sp>
+    </p:spTree>
+    <p:extLst>
+      <p:ext uri="{BB962C8B-B14F-4D97-AF65-F5344CB8AC3E}">
+        <p14:creationId xmlns:p14="http://schemas.microsoft.com/office/powerpoint/2010/main" val="938297429"/>
       </p:ext>
     </p:extLst>
   </p:cSld>
